--- a/present.pptx
+++ b/present.pptx
@@ -107,6 +107,11 @@
       </a:defRPr>
     </a:lvl9pPr>
   </p:defaultTextStyle>
+  <p:extLst>
+    <p:ext uri="{EFAFB233-063F-42B5-8137-9DF3F51BA10A}">
+      <p15:sldGuideLst xmlns:p15="http://schemas.microsoft.com/office/powerpoint/2012/main"/>
+    </p:ext>
+  </p:extLst>
 </p:presentation>
 </file>
 
@@ -192,7 +197,7 @@
           <a:p>
             <a:fld id="{7626BE03-2239-41DC-8E06-13C49E834C6D}" type="datetimeFigureOut">
               <a:rPr lang="en-US" smtClean="0"/>
-              <a:t>11/11/2016</a:t>
+              <a:t>11/12/2016</a:t>
             </a:fld>
             <a:endParaRPr lang="en-US"/>
           </a:p>
@@ -691,7 +696,7 @@
           <a:p>
             <a:fld id="{F36DC923-BEE2-4C62-A4DF-642B7CD8E114}" type="datetimeFigureOut">
               <a:rPr lang="en-US" smtClean="0"/>
-              <a:t>11/11/2016</a:t>
+              <a:t>11/12/2016</a:t>
             </a:fld>
             <a:endParaRPr lang="en-US"/>
           </a:p>
@@ -861,7 +866,7 @@
           <a:p>
             <a:fld id="{F36DC923-BEE2-4C62-A4DF-642B7CD8E114}" type="datetimeFigureOut">
               <a:rPr lang="en-US" smtClean="0"/>
-              <a:t>11/11/2016</a:t>
+              <a:t>11/12/2016</a:t>
             </a:fld>
             <a:endParaRPr lang="en-US"/>
           </a:p>
@@ -1041,7 +1046,7 @@
           <a:p>
             <a:fld id="{F36DC923-BEE2-4C62-A4DF-642B7CD8E114}" type="datetimeFigureOut">
               <a:rPr lang="en-US" smtClean="0"/>
-              <a:t>11/11/2016</a:t>
+              <a:t>11/12/2016</a:t>
             </a:fld>
             <a:endParaRPr lang="en-US"/>
           </a:p>
@@ -1655,7 +1660,7 @@
           <a:p>
             <a:fld id="{F36DC923-BEE2-4C62-A4DF-642B7CD8E114}" type="datetimeFigureOut">
               <a:rPr lang="en-US" smtClean="0"/>
-              <a:t>11/11/2016</a:t>
+              <a:t>11/12/2016</a:t>
             </a:fld>
             <a:endParaRPr lang="en-US"/>
           </a:p>
@@ -1901,7 +1906,7 @@
           <a:p>
             <a:fld id="{F36DC923-BEE2-4C62-A4DF-642B7CD8E114}" type="datetimeFigureOut">
               <a:rPr lang="en-US" smtClean="0"/>
-              <a:t>11/11/2016</a:t>
+              <a:t>11/12/2016</a:t>
             </a:fld>
             <a:endParaRPr lang="en-US"/>
           </a:p>
@@ -2133,7 +2138,7 @@
           <a:p>
             <a:fld id="{F36DC923-BEE2-4C62-A4DF-642B7CD8E114}" type="datetimeFigureOut">
               <a:rPr lang="en-US" smtClean="0"/>
-              <a:t>11/11/2016</a:t>
+              <a:t>11/12/2016</a:t>
             </a:fld>
             <a:endParaRPr lang="en-US"/>
           </a:p>
@@ -2500,7 +2505,7 @@
           <a:p>
             <a:fld id="{F36DC923-BEE2-4C62-A4DF-642B7CD8E114}" type="datetimeFigureOut">
               <a:rPr lang="en-US" smtClean="0"/>
-              <a:t>11/11/2016</a:t>
+              <a:t>11/12/2016</a:t>
             </a:fld>
             <a:endParaRPr lang="en-US"/>
           </a:p>
@@ -2618,7 +2623,7 @@
           <a:p>
             <a:fld id="{F36DC923-BEE2-4C62-A4DF-642B7CD8E114}" type="datetimeFigureOut">
               <a:rPr lang="en-US" smtClean="0"/>
-              <a:t>11/11/2016</a:t>
+              <a:t>11/12/2016</a:t>
             </a:fld>
             <a:endParaRPr lang="en-US"/>
           </a:p>
@@ -2713,7 +2718,7 @@
           <a:p>
             <a:fld id="{F36DC923-BEE2-4C62-A4DF-642B7CD8E114}" type="datetimeFigureOut">
               <a:rPr lang="en-US" smtClean="0"/>
-              <a:t>11/11/2016</a:t>
+              <a:t>11/12/2016</a:t>
             </a:fld>
             <a:endParaRPr lang="en-US"/>
           </a:p>
@@ -2990,7 +2995,7 @@
           <a:p>
             <a:fld id="{F36DC923-BEE2-4C62-A4DF-642B7CD8E114}" type="datetimeFigureOut">
               <a:rPr lang="en-US" smtClean="0"/>
-              <a:t>11/11/2016</a:t>
+              <a:t>11/12/2016</a:t>
             </a:fld>
             <a:endParaRPr lang="en-US"/>
           </a:p>
@@ -3243,7 +3248,7 @@
           <a:p>
             <a:fld id="{F36DC923-BEE2-4C62-A4DF-642B7CD8E114}" type="datetimeFigureOut">
               <a:rPr lang="en-US" smtClean="0"/>
-              <a:t>11/11/2016</a:t>
+              <a:t>11/12/2016</a:t>
             </a:fld>
             <a:endParaRPr lang="en-US"/>
           </a:p>
@@ -3456,7 +3461,7 @@
           <a:p>
             <a:fld id="{F36DC923-BEE2-4C62-A4DF-642B7CD8E114}" type="datetimeFigureOut">
               <a:rPr lang="en-US" smtClean="0"/>
-              <a:t>11/11/2016</a:t>
+              <a:t>11/12/2016</a:t>
             </a:fld>
             <a:endParaRPr lang="en-US"/>
           </a:p>
@@ -3872,7 +3877,12 @@
             <p:ph type="body" sz="quarter" idx="10"/>
           </p:nvPr>
         </p:nvSpPr>
-        <p:spPr/>
+        <p:spPr>
+          <a:xfrm>
+            <a:off x="184601" y="5652913"/>
+            <a:ext cx="11444963" cy="1205087"/>
+          </a:xfrm>
+        </p:spPr>
         <p:txBody>
           <a:bodyPr/>
           <a:lstStyle/>
@@ -3891,14 +3901,26 @@
             <p:ph type="body" sz="quarter" idx="12"/>
           </p:nvPr>
         </p:nvSpPr>
-        <p:spPr/>
-        <p:txBody>
-          <a:bodyPr/>
-          <a:lstStyle/>
-          <a:p>
-            <a:r>
-              <a:rPr lang="en-US" dirty="0" smtClean="0"/>
-              <a:t>Presenter Name</a:t>
+        <p:spPr>
+          <a:xfrm>
+            <a:off x="747099" y="3161631"/>
+            <a:ext cx="9813577" cy="1450553"/>
+          </a:xfrm>
+        </p:spPr>
+        <p:txBody>
+          <a:bodyPr/>
+          <a:lstStyle/>
+          <a:p>
+            <a:r>
+              <a:rPr lang="en-US" dirty="0"/>
+              <a:t>	</a:t>
+            </a:r>
+            <a:endParaRPr lang="en-US" dirty="0" smtClean="0"/>
+          </a:p>
+          <a:p>
+            <a:r>
+              <a:rPr lang="en-US" dirty="0"/>
+              <a:t>	</a:t>
             </a:r>
             <a:endParaRPr lang="en-US" dirty="0"/>
           </a:p>
@@ -3916,7 +3938,7 @@
         </p:nvSpPr>
         <p:spPr>
           <a:xfrm>
-            <a:off x="1981201" y="4103465"/>
+            <a:off x="1916807" y="4886098"/>
             <a:ext cx="5397358" cy="315214"/>
           </a:xfrm>
         </p:spPr>
@@ -3944,8 +3966,8 @@
         </p:nvSpPr>
         <p:spPr>
           <a:xfrm>
-            <a:off x="747037" y="369475"/>
-            <a:ext cx="11444963" cy="1210672"/>
+            <a:off x="747037" y="369474"/>
+            <a:ext cx="11444963" cy="2844118"/>
           </a:xfrm>
         </p:spPr>
         <p:txBody>
@@ -3966,15 +3988,38 @@
               <a:rPr lang="en-US" dirty="0"/>
               <a:t>	</a:t>
             </a:r>
-            <a:r>
-              <a:rPr lang="en-US" sz="1800" dirty="0" smtClean="0">
+            <a:endParaRPr lang="en-US" dirty="0" smtClean="0"/>
+          </a:p>
+          <a:p>
+            <a:r>
+              <a:rPr lang="en-US" sz="1800" dirty="0">
                 <a:solidFill>
                   <a:schemeClr val="tx1"/>
                 </a:solidFill>
                 <a:latin typeface="Times New Roman" panose="02020603050405020304" pitchFamily="18" charset="0"/>
                 <a:cs typeface="Times New Roman" panose="02020603050405020304" pitchFamily="18" charset="0"/>
               </a:rPr>
-              <a:t>Quach Tri Dung ( Quach)</a:t>
+              <a:t>	</a:t>
+            </a:r>
+            <a:r>
+              <a:rPr lang="en-US" sz="2400" dirty="0" smtClean="0">
+                <a:solidFill>
+                  <a:schemeClr val="tx1"/>
+                </a:solidFill>
+                <a:latin typeface="Times New Roman" panose="02020603050405020304" pitchFamily="18" charset="0"/>
+                <a:cs typeface="Times New Roman" panose="02020603050405020304" pitchFamily="18" charset="0"/>
+              </a:rPr>
+              <a:t>Quach </a:t>
+            </a:r>
+            <a:r>
+              <a:rPr lang="en-US" sz="2400" dirty="0" smtClean="0">
+                <a:solidFill>
+                  <a:schemeClr val="tx1"/>
+                </a:solidFill>
+                <a:latin typeface="Times New Roman" panose="02020603050405020304" pitchFamily="18" charset="0"/>
+                <a:cs typeface="Times New Roman" panose="02020603050405020304" pitchFamily="18" charset="0"/>
+              </a:rPr>
+              <a:t>Tri Dung ( Quach)</a:t>
             </a:r>
           </a:p>
           <a:p>
@@ -3998,16 +4043,78 @@
               <a:t>	</a:t>
             </a:r>
             <a:r>
-              <a:rPr lang="en-US" sz="1800" dirty="0" smtClean="0">
+              <a:rPr lang="en-US" sz="2400" dirty="0" smtClean="0">
                 <a:solidFill>
                   <a:schemeClr val="tx1"/>
                 </a:solidFill>
                 <a:latin typeface="Times New Roman" panose="02020603050405020304" pitchFamily="18" charset="0"/>
                 <a:cs typeface="Times New Roman" panose="02020603050405020304" pitchFamily="18" charset="0"/>
               </a:rPr>
-              <a:t>Nanyang Technological University (NTU)</a:t>
-            </a:r>
-            <a:endParaRPr lang="en-US" sz="1800" dirty="0">
+              <a:t>Nanyang </a:t>
+            </a:r>
+            <a:r>
+              <a:rPr lang="en-US" sz="2400" dirty="0" smtClean="0">
+                <a:solidFill>
+                  <a:schemeClr val="tx1"/>
+                </a:solidFill>
+                <a:latin typeface="Times New Roman" panose="02020603050405020304" pitchFamily="18" charset="0"/>
+                <a:cs typeface="Times New Roman" panose="02020603050405020304" pitchFamily="18" charset="0"/>
+              </a:rPr>
+              <a:t>Technological University (NTU</a:t>
+            </a:r>
+            <a:r>
+              <a:rPr lang="en-US" sz="2400" dirty="0" smtClean="0">
+                <a:solidFill>
+                  <a:schemeClr val="tx1"/>
+                </a:solidFill>
+                <a:latin typeface="Times New Roman" panose="02020603050405020304" pitchFamily="18" charset="0"/>
+                <a:cs typeface="Times New Roman" panose="02020603050405020304" pitchFamily="18" charset="0"/>
+              </a:rPr>
+              <a:t>)</a:t>
+            </a:r>
+          </a:p>
+          <a:p>
+            <a:endParaRPr lang="en-US" sz="2400" dirty="0">
+              <a:solidFill>
+                <a:schemeClr val="tx1"/>
+              </a:solidFill>
+              <a:latin typeface="Times New Roman" panose="02020603050405020304" pitchFamily="18" charset="0"/>
+              <a:cs typeface="Times New Roman" panose="02020603050405020304" pitchFamily="18" charset="0"/>
+            </a:endParaRPr>
+          </a:p>
+          <a:p>
+            <a:r>
+              <a:rPr lang="en-US" sz="2400" dirty="0" smtClean="0">
+                <a:solidFill>
+                  <a:schemeClr val="tx1"/>
+                </a:solidFill>
+                <a:latin typeface="Times New Roman" panose="02020603050405020304" pitchFamily="18" charset="0"/>
+                <a:cs typeface="Times New Roman" panose="02020603050405020304" pitchFamily="18" charset="0"/>
+              </a:rPr>
+              <a:t>	Electrical and Electronic Engineering ( EEE)</a:t>
+            </a:r>
+          </a:p>
+          <a:p>
+            <a:endParaRPr lang="en-US" sz="2400" dirty="0">
+              <a:solidFill>
+                <a:schemeClr val="tx1"/>
+              </a:solidFill>
+              <a:latin typeface="Times New Roman" panose="02020603050405020304" pitchFamily="18" charset="0"/>
+              <a:cs typeface="Times New Roman" panose="02020603050405020304" pitchFamily="18" charset="0"/>
+            </a:endParaRPr>
+          </a:p>
+          <a:p>
+            <a:r>
+              <a:rPr lang="en-US" sz="2400" dirty="0" smtClean="0">
+                <a:solidFill>
+                  <a:schemeClr val="tx1"/>
+                </a:solidFill>
+                <a:latin typeface="Times New Roman" panose="02020603050405020304" pitchFamily="18" charset="0"/>
+                <a:cs typeface="Times New Roman" panose="02020603050405020304" pitchFamily="18" charset="0"/>
+              </a:rPr>
+              <a:t>	July 2018</a:t>
+            </a:r>
+            <a:endParaRPr lang="en-US" sz="2400" dirty="0">
               <a:solidFill>
                 <a:schemeClr val="tx1"/>
               </a:solidFill>
@@ -4039,8 +4146,8 @@
         </p:blipFill>
         <p:spPr>
           <a:xfrm>
-            <a:off x="1232311" y="497813"/>
-            <a:ext cx="292261" cy="292262"/>
+            <a:off x="1068947" y="613589"/>
+            <a:ext cx="455626" cy="455628"/>
           </a:xfrm>
           <a:prstGeom prst="rect">
             <a:avLst/>
@@ -4069,8 +4176,98 @@
         </p:blipFill>
         <p:spPr>
           <a:xfrm>
-            <a:off x="1232311" y="994864"/>
-            <a:ext cx="292261" cy="292261"/>
+            <a:off x="1085832" y="2582633"/>
+            <a:ext cx="455626" cy="455626"/>
+          </a:xfrm>
+          <a:prstGeom prst="rect">
+            <a:avLst/>
+          </a:prstGeom>
+        </p:spPr>
+      </p:pic>
+      <p:pic>
+        <p:nvPicPr>
+          <p:cNvPr id="6" name="Picture 5"/>
+          <p:cNvPicPr>
+            <a:picLocks noChangeAspect="1"/>
+          </p:cNvPicPr>
+          <p:nvPr/>
+        </p:nvPicPr>
+        <p:blipFill>
+          <a:blip r:embed="rId5">
+            <a:extLst>
+              <a:ext uri="{28A0092B-C50C-407E-A947-70E740481C1C}">
+                <a14:useLocalDpi xmlns:a14="http://schemas.microsoft.com/office/drawing/2010/main" val="0"/>
+              </a:ext>
+            </a:extLst>
+          </a:blip>
+          <a:stretch>
+            <a:fillRect/>
+          </a:stretch>
+        </p:blipFill>
+        <p:spPr>
+          <a:xfrm>
+            <a:off x="1073813" y="1199444"/>
+            <a:ext cx="450760" cy="455626"/>
+          </a:xfrm>
+          <a:prstGeom prst="rect">
+            <a:avLst/>
+          </a:prstGeom>
+        </p:spPr>
+      </p:pic>
+      <p:pic>
+        <p:nvPicPr>
+          <p:cNvPr id="7" name="Picture 6"/>
+          <p:cNvPicPr>
+            <a:picLocks noChangeAspect="1"/>
+          </p:cNvPicPr>
+          <p:nvPr/>
+        </p:nvPicPr>
+        <p:blipFill>
+          <a:blip r:embed="rId6">
+            <a:extLst>
+              <a:ext uri="{28A0092B-C50C-407E-A947-70E740481C1C}">
+                <a14:useLocalDpi xmlns:a14="http://schemas.microsoft.com/office/drawing/2010/main" val="0"/>
+              </a:ext>
+            </a:extLst>
+          </a:blip>
+          <a:stretch>
+            <a:fillRect/>
+          </a:stretch>
+        </p:blipFill>
+        <p:spPr>
+          <a:xfrm flipV="1">
+            <a:off x="1068947" y="1900378"/>
+            <a:ext cx="472511" cy="455626"/>
+          </a:xfrm>
+          <a:prstGeom prst="rect">
+            <a:avLst/>
+          </a:prstGeom>
+        </p:spPr>
+      </p:pic>
+      <p:pic>
+        <p:nvPicPr>
+          <p:cNvPr id="10" name="Picture 9"/>
+          <p:cNvPicPr>
+            <a:picLocks noChangeAspect="1"/>
+          </p:cNvPicPr>
+          <p:nvPr/>
+        </p:nvPicPr>
+        <p:blipFill>
+          <a:blip r:embed="rId7">
+            <a:extLst>
+              <a:ext uri="{28A0092B-C50C-407E-A947-70E740481C1C}">
+                <a14:useLocalDpi xmlns:a14="http://schemas.microsoft.com/office/drawing/2010/main" val="0"/>
+              </a:ext>
+            </a:extLst>
+          </a:blip>
+          <a:stretch>
+            <a:fillRect/>
+          </a:stretch>
+        </p:blipFill>
+        <p:spPr>
+          <a:xfrm>
+            <a:off x="1068946" y="3291858"/>
+            <a:ext cx="472511" cy="455626"/>
           </a:xfrm>
           <a:prstGeom prst="rect">
             <a:avLst/>

--- a/present.pptx
+++ b/present.pptx
@@ -5,10 +5,12 @@
     <p:sldMasterId id="2147483648" r:id="rId1"/>
   </p:sldMasterIdLst>
   <p:notesMasterIdLst>
-    <p:notesMasterId r:id="rId3"/>
+    <p:notesMasterId r:id="rId5"/>
   </p:notesMasterIdLst>
   <p:sldIdLst>
     <p:sldId id="257" r:id="rId2"/>
+    <p:sldId id="258" r:id="rId3"/>
+    <p:sldId id="259" r:id="rId4"/>
   </p:sldIdLst>
   <p:sldSz cx="12192000" cy="6858000"/>
   <p:notesSz cx="6858000" cy="9144000"/>
@@ -197,7 +199,7 @@
           <a:p>
             <a:fld id="{7626BE03-2239-41DC-8E06-13C49E834C6D}" type="datetimeFigureOut">
               <a:rPr lang="en-US" smtClean="0"/>
-              <a:t>11/12/2016</a:t>
+              <a:t>11/14/2016</a:t>
             </a:fld>
             <a:endParaRPr lang="en-US"/>
           </a:p>
@@ -696,7 +698,7 @@
           <a:p>
             <a:fld id="{F36DC923-BEE2-4C62-A4DF-642B7CD8E114}" type="datetimeFigureOut">
               <a:rPr lang="en-US" smtClean="0"/>
-              <a:t>11/12/2016</a:t>
+              <a:t>11/14/2016</a:t>
             </a:fld>
             <a:endParaRPr lang="en-US"/>
           </a:p>
@@ -866,7 +868,7 @@
           <a:p>
             <a:fld id="{F36DC923-BEE2-4C62-A4DF-642B7CD8E114}" type="datetimeFigureOut">
               <a:rPr lang="en-US" smtClean="0"/>
-              <a:t>11/12/2016</a:t>
+              <a:t>11/14/2016</a:t>
             </a:fld>
             <a:endParaRPr lang="en-US"/>
           </a:p>
@@ -1046,7 +1048,7 @@
           <a:p>
             <a:fld id="{F36DC923-BEE2-4C62-A4DF-642B7CD8E114}" type="datetimeFigureOut">
               <a:rPr lang="en-US" smtClean="0"/>
-              <a:t>11/12/2016</a:t>
+              <a:t>11/14/2016</a:t>
             </a:fld>
             <a:endParaRPr lang="en-US"/>
           </a:p>
@@ -1660,7 +1662,7 @@
           <a:p>
             <a:fld id="{F36DC923-BEE2-4C62-A4DF-642B7CD8E114}" type="datetimeFigureOut">
               <a:rPr lang="en-US" smtClean="0"/>
-              <a:t>11/12/2016</a:t>
+              <a:t>11/14/2016</a:t>
             </a:fld>
             <a:endParaRPr lang="en-US"/>
           </a:p>
@@ -1906,7 +1908,7 @@
           <a:p>
             <a:fld id="{F36DC923-BEE2-4C62-A4DF-642B7CD8E114}" type="datetimeFigureOut">
               <a:rPr lang="en-US" smtClean="0"/>
-              <a:t>11/12/2016</a:t>
+              <a:t>11/14/2016</a:t>
             </a:fld>
             <a:endParaRPr lang="en-US"/>
           </a:p>
@@ -2138,7 +2140,7 @@
           <a:p>
             <a:fld id="{F36DC923-BEE2-4C62-A4DF-642B7CD8E114}" type="datetimeFigureOut">
               <a:rPr lang="en-US" smtClean="0"/>
-              <a:t>11/12/2016</a:t>
+              <a:t>11/14/2016</a:t>
             </a:fld>
             <a:endParaRPr lang="en-US"/>
           </a:p>
@@ -2505,7 +2507,7 @@
           <a:p>
             <a:fld id="{F36DC923-BEE2-4C62-A4DF-642B7CD8E114}" type="datetimeFigureOut">
               <a:rPr lang="en-US" smtClean="0"/>
-              <a:t>11/12/2016</a:t>
+              <a:t>11/14/2016</a:t>
             </a:fld>
             <a:endParaRPr lang="en-US"/>
           </a:p>
@@ -2623,7 +2625,7 @@
           <a:p>
             <a:fld id="{F36DC923-BEE2-4C62-A4DF-642B7CD8E114}" type="datetimeFigureOut">
               <a:rPr lang="en-US" smtClean="0"/>
-              <a:t>11/12/2016</a:t>
+              <a:t>11/14/2016</a:t>
             </a:fld>
             <a:endParaRPr lang="en-US"/>
           </a:p>
@@ -2718,7 +2720,7 @@
           <a:p>
             <a:fld id="{F36DC923-BEE2-4C62-A4DF-642B7CD8E114}" type="datetimeFigureOut">
               <a:rPr lang="en-US" smtClean="0"/>
-              <a:t>11/12/2016</a:t>
+              <a:t>11/14/2016</a:t>
             </a:fld>
             <a:endParaRPr lang="en-US"/>
           </a:p>
@@ -2995,7 +2997,7 @@
           <a:p>
             <a:fld id="{F36DC923-BEE2-4C62-A4DF-642B7CD8E114}" type="datetimeFigureOut">
               <a:rPr lang="en-US" smtClean="0"/>
-              <a:t>11/12/2016</a:t>
+              <a:t>11/14/2016</a:t>
             </a:fld>
             <a:endParaRPr lang="en-US"/>
           </a:p>
@@ -3248,7 +3250,7 @@
           <a:p>
             <a:fld id="{F36DC923-BEE2-4C62-A4DF-642B7CD8E114}" type="datetimeFigureOut">
               <a:rPr lang="en-US" smtClean="0"/>
-              <a:t>11/12/2016</a:t>
+              <a:t>11/14/2016</a:t>
             </a:fld>
             <a:endParaRPr lang="en-US"/>
           </a:p>
@@ -3313,9 +3315,18 @@
 <p:sldMaster xmlns:a="http://schemas.openxmlformats.org/drawingml/2006/main" xmlns:r="http://schemas.openxmlformats.org/officeDocument/2006/relationships" xmlns:p="http://schemas.openxmlformats.org/presentationml/2006/main">
   <p:cSld>
     <p:bg>
-      <p:bgRef idx="1001">
-        <a:schemeClr val="bg1"/>
-      </p:bgRef>
+      <p:bgPr>
+        <a:blipFill dpi="0" rotWithShape="1">
+          <a:blip r:embed="rId14">
+            <a:lum/>
+          </a:blip>
+          <a:srcRect/>
+          <a:stretch>
+            <a:fillRect l="-217000" r="-217000"/>
+          </a:stretch>
+        </a:blipFill>
+        <a:effectLst/>
+      </p:bgPr>
     </p:bg>
     <p:spTree>
       <p:nvGrpSpPr>
@@ -3461,7 +3472,7 @@
           <a:p>
             <a:fld id="{F36DC923-BEE2-4C62-A4DF-642B7CD8E114}" type="datetimeFigureOut">
               <a:rPr lang="en-US" smtClean="0"/>
-              <a:t>11/12/2016</a:t>
+              <a:t>11/14/2016</a:t>
             </a:fld>
             <a:endParaRPr lang="en-US"/>
           </a:p>
@@ -3853,6 +3864,15 @@
 <file path=ppt/slides/slide1.xml><?xml version="1.0" encoding="utf-8"?>
 <p:sld xmlns:a="http://schemas.openxmlformats.org/drawingml/2006/main" xmlns:r="http://schemas.openxmlformats.org/officeDocument/2006/relationships" xmlns:p="http://schemas.openxmlformats.org/presentationml/2006/main">
   <p:cSld>
+    <p:bg>
+      <p:bgPr>
+        <a:blipFill>
+          <a:blip r:embed="rId3"/>
+          <a:tile tx="0" ty="0" sx="100000" sy="100000" flip="none" algn="tl"/>
+        </a:blipFill>
+        <a:effectLst/>
+      </p:bgPr>
+    </p:bg>
     <p:spTree>
       <p:nvGrpSpPr>
         <p:cNvPr id="1" name=""/>
@@ -3869,132 +3889,125 @@
       </p:grpSpPr>
       <p:sp>
         <p:nvSpPr>
-          <p:cNvPr id="2" name="Text Placeholder 1"/>
-          <p:cNvSpPr>
-            <a:spLocks noGrp="1"/>
-          </p:cNvSpPr>
-          <p:nvPr>
-            <p:ph type="body" sz="quarter" idx="10"/>
+          <p:cNvPr id="3" name="Text Placeholder 2"/>
+          <p:cNvSpPr>
+            <a:spLocks noGrp="1"/>
+          </p:cNvSpPr>
+          <p:nvPr>
+            <p:ph type="body" sz="quarter" idx="12"/>
           </p:nvPr>
         </p:nvSpPr>
         <p:spPr>
           <a:xfrm>
-            <a:off x="184601" y="5652913"/>
-            <a:ext cx="11444963" cy="1205087"/>
+            <a:off x="747101" y="3875535"/>
+            <a:ext cx="7419721" cy="1450553"/>
           </a:xfrm>
         </p:spPr>
-        <p:txBody>
-          <a:bodyPr/>
-          <a:lstStyle/>
-          <a:p>
-            <a:endParaRPr lang="en-US" dirty="0"/>
-          </a:p>
-        </p:txBody>
-      </p:sp>
-      <p:sp>
-        <p:nvSpPr>
-          <p:cNvPr id="3" name="Text Placeholder 2"/>
-          <p:cNvSpPr>
-            <a:spLocks noGrp="1"/>
-          </p:cNvSpPr>
-          <p:nvPr>
-            <p:ph type="body" sz="quarter" idx="12"/>
+        <p:style>
+          <a:lnRef idx="1">
+            <a:schemeClr val="accent6"/>
+          </a:lnRef>
+          <a:fillRef idx="3">
+            <a:schemeClr val="accent6"/>
+          </a:fillRef>
+          <a:effectRef idx="2">
+            <a:schemeClr val="accent6"/>
+          </a:effectRef>
+          <a:fontRef idx="minor">
+            <a:schemeClr val="lt1"/>
+          </a:fontRef>
+        </p:style>
+        <p:txBody>
+          <a:bodyPr/>
+          <a:lstStyle/>
+          <a:p>
+            <a:endParaRPr lang="en-US" dirty="0" smtClean="0"/>
+          </a:p>
+          <a:p>
+            <a:r>
+              <a:rPr lang="en-US" dirty="0" smtClean="0"/>
+              <a:t>	</a:t>
+            </a:r>
+            <a:r>
+              <a:rPr lang="en-US" dirty="0" smtClean="0"/>
+              <a:t>Software Automation Ops / Brown Team /      </a:t>
+            </a:r>
+            <a:r>
+              <a:rPr lang="en-US" b="1" dirty="0" smtClean="0"/>
+              <a:t>Vault</a:t>
+            </a:r>
+          </a:p>
+          <a:p>
+            <a:endParaRPr lang="en-US" b="1" dirty="0" smtClean="0"/>
+          </a:p>
+          <a:p>
+            <a:r>
+              <a:rPr lang="en-US" b="1" dirty="0" smtClean="0"/>
+              <a:t>	</a:t>
+            </a:r>
+            <a:r>
+              <a:rPr lang="en-US" dirty="0" smtClean="0"/>
+              <a:t>Yogeshwar Gandhe</a:t>
+            </a:r>
+            <a:endParaRPr lang="en-US" b="1" dirty="0" smtClean="0"/>
+          </a:p>
+          <a:p>
+            <a:r>
+              <a:rPr lang="en-US" b="1" dirty="0" smtClean="0"/>
+              <a:t>	 </a:t>
+            </a:r>
+            <a:endParaRPr lang="en-US" b="1" dirty="0"/>
+          </a:p>
+        </p:txBody>
+      </p:sp>
+      <p:sp>
+        <p:nvSpPr>
+          <p:cNvPr id="5" name="Text Placeholder 4"/>
+          <p:cNvSpPr>
+            <a:spLocks noGrp="1"/>
+          </p:cNvSpPr>
+          <p:nvPr>
+            <p:ph type="body" sz="quarter" idx="14"/>
           </p:nvPr>
         </p:nvSpPr>
         <p:spPr>
           <a:xfrm>
-            <a:off x="747099" y="3161631"/>
-            <a:ext cx="9813577" cy="1450553"/>
+            <a:off x="747101" y="-57334"/>
+            <a:ext cx="6343510" cy="2207348"/>
           </a:xfrm>
         </p:spPr>
-        <p:txBody>
-          <a:bodyPr/>
-          <a:lstStyle/>
-          <a:p>
-            <a:r>
-              <a:rPr lang="en-US" dirty="0"/>
-              <a:t>	</a:t>
-            </a:r>
-            <a:endParaRPr lang="en-US" dirty="0" smtClean="0"/>
-          </a:p>
-          <a:p>
-            <a:r>
-              <a:rPr lang="en-US" dirty="0"/>
-              <a:t>	</a:t>
-            </a:r>
-            <a:endParaRPr lang="en-US" dirty="0"/>
-          </a:p>
-        </p:txBody>
-      </p:sp>
-      <p:sp>
-        <p:nvSpPr>
-          <p:cNvPr id="4" name="Text Placeholder 3"/>
-          <p:cNvSpPr>
-            <a:spLocks noGrp="1"/>
-          </p:cNvSpPr>
-          <p:nvPr>
-            <p:ph type="body" sz="quarter" idx="13"/>
-          </p:nvPr>
-        </p:nvSpPr>
-        <p:spPr>
-          <a:xfrm>
-            <a:off x="1916807" y="4886098"/>
-            <a:ext cx="5397358" cy="315214"/>
-          </a:xfrm>
-        </p:spPr>
-        <p:txBody>
-          <a:bodyPr/>
-          <a:lstStyle/>
-          <a:p>
-            <a:r>
-              <a:rPr lang="en-US" dirty="0" smtClean="0"/>
-              <a:t>Presenter Title</a:t>
-            </a:r>
-            <a:endParaRPr lang="en-US" dirty="0"/>
-          </a:p>
-        </p:txBody>
-      </p:sp>
-      <p:sp>
-        <p:nvSpPr>
-          <p:cNvPr id="5" name="Text Placeholder 4"/>
-          <p:cNvSpPr>
-            <a:spLocks noGrp="1"/>
-          </p:cNvSpPr>
-          <p:nvPr>
-            <p:ph type="body" sz="quarter" idx="14"/>
-          </p:nvPr>
-        </p:nvSpPr>
-        <p:spPr>
-          <a:xfrm>
-            <a:off x="747037" y="369474"/>
-            <a:ext cx="11444963" cy="2844118"/>
-          </a:xfrm>
-        </p:spPr>
-        <p:txBody>
-          <a:bodyPr/>
-          <a:lstStyle/>
-          <a:p>
-            <a:r>
-              <a:rPr lang="en-US" dirty="0"/>
-              <a:t> </a:t>
-            </a:r>
-            <a:r>
-              <a:rPr lang="en-US" dirty="0" smtClean="0"/>
-              <a:t>       </a:t>
-            </a:r>
-          </a:p>
-          <a:p>
-            <a:r>
-              <a:rPr lang="en-US" dirty="0"/>
-              <a:t>	</a:t>
-            </a:r>
-            <a:endParaRPr lang="en-US" dirty="0" smtClean="0"/>
-          </a:p>
-          <a:p>
-            <a:r>
-              <a:rPr lang="en-US" sz="1800" dirty="0">
+        <p:style>
+          <a:lnRef idx="1">
+            <a:schemeClr val="accent6"/>
+          </a:lnRef>
+          <a:fillRef idx="3">
+            <a:schemeClr val="accent6"/>
+          </a:fillRef>
+          <a:effectRef idx="2">
+            <a:schemeClr val="accent6"/>
+          </a:effectRef>
+          <a:fontRef idx="minor">
+            <a:schemeClr val="lt1"/>
+          </a:fontRef>
+        </p:style>
+        <p:txBody>
+          <a:bodyPr/>
+          <a:lstStyle/>
+          <a:p>
+            <a:r>
+              <a:rPr lang="en-US" sz="1800" b="0" dirty="0" smtClean="0">
                 <a:solidFill>
-                  <a:schemeClr val="tx1"/>
+                  <a:schemeClr val="tx2"/>
+                </a:solidFill>
+              </a:rPr>
+              <a:t>        </a:t>
+            </a:r>
+          </a:p>
+          <a:p>
+            <a:r>
+              <a:rPr lang="en-US" sz="1800" b="0" dirty="0" smtClean="0">
+                <a:solidFill>
+                  <a:schemeClr val="tx2"/>
                 </a:solidFill>
                 <a:latin typeface="Times New Roman" panose="02020603050405020304" pitchFamily="18" charset="0"/>
                 <a:cs typeface="Times New Roman" panose="02020603050405020304" pitchFamily="18" charset="0"/>
@@ -4002,124 +4015,71 @@
               <a:t>	</a:t>
             </a:r>
             <a:r>
-              <a:rPr lang="en-US" sz="2400" dirty="0" smtClean="0">
+              <a:rPr lang="en-US" sz="2000" b="0" dirty="0" smtClean="0">
                 <a:solidFill>
-                  <a:schemeClr val="tx1"/>
+                  <a:schemeClr val="tx2"/>
                 </a:solidFill>
-                <a:latin typeface="Times New Roman" panose="02020603050405020304" pitchFamily="18" charset="0"/>
-                <a:cs typeface="Times New Roman" panose="02020603050405020304" pitchFamily="18" charset="0"/>
               </a:rPr>
-              <a:t>Quach </a:t>
-            </a:r>
-            <a:r>
-              <a:rPr lang="en-US" sz="2400" dirty="0" smtClean="0">
+              <a:t>Quach Tri Dung ( Quach)</a:t>
+            </a:r>
+          </a:p>
+          <a:p>
+            <a:endParaRPr lang="en-US" sz="2000" b="0" dirty="0" smtClean="0">
+              <a:solidFill>
+                <a:schemeClr val="tx2"/>
+              </a:solidFill>
+            </a:endParaRPr>
+          </a:p>
+          <a:p>
+            <a:r>
+              <a:rPr lang="en-US" sz="2000" b="0" dirty="0" smtClean="0">
                 <a:solidFill>
-                  <a:schemeClr val="tx1"/>
+                  <a:schemeClr val="tx2"/>
                 </a:solidFill>
-                <a:latin typeface="Times New Roman" panose="02020603050405020304" pitchFamily="18" charset="0"/>
-                <a:cs typeface="Times New Roman" panose="02020603050405020304" pitchFamily="18" charset="0"/>
               </a:rPr>
-              <a:t>Tri Dung ( Quach)</a:t>
-            </a:r>
-          </a:p>
-          <a:p>
-            <a:endParaRPr lang="en-US" sz="1600" dirty="0">
-              <a:solidFill>
-                <a:schemeClr val="tx1"/>
-              </a:solidFill>
-              <a:latin typeface="Times New Roman" panose="02020603050405020304" pitchFamily="18" charset="0"/>
-              <a:cs typeface="Times New Roman" panose="02020603050405020304" pitchFamily="18" charset="0"/>
-            </a:endParaRPr>
-          </a:p>
-          <a:p>
-            <a:r>
-              <a:rPr lang="en-US" sz="1600" dirty="0" smtClean="0">
+              <a:t>	Nanyang Technological University (NTU)</a:t>
+            </a:r>
+          </a:p>
+          <a:p>
+            <a:r>
+              <a:rPr lang="en-US" sz="2000" b="0" dirty="0" smtClean="0">
                 <a:solidFill>
-                  <a:schemeClr val="tx1"/>
+                  <a:schemeClr val="tx2"/>
                 </a:solidFill>
-                <a:latin typeface="Times New Roman" panose="02020603050405020304" pitchFamily="18" charset="0"/>
-                <a:cs typeface="Times New Roman" panose="02020603050405020304" pitchFamily="18" charset="0"/>
               </a:rPr>
-              <a:t>	</a:t>
-            </a:r>
-            <a:r>
-              <a:rPr lang="en-US" sz="2400" dirty="0" smtClean="0">
+              <a:t> 	</a:t>
+            </a:r>
+          </a:p>
+          <a:p>
+            <a:r>
+              <a:rPr lang="en-US" sz="2000" b="0" dirty="0" smtClean="0">
                 <a:solidFill>
-                  <a:schemeClr val="tx1"/>
+                  <a:schemeClr val="tx2"/>
                 </a:solidFill>
-                <a:latin typeface="Times New Roman" panose="02020603050405020304" pitchFamily="18" charset="0"/>
-                <a:cs typeface="Times New Roman" panose="02020603050405020304" pitchFamily="18" charset="0"/>
-              </a:rPr>
-              <a:t>Nanyang </a:t>
-            </a:r>
-            <a:r>
-              <a:rPr lang="en-US" sz="2400" dirty="0" smtClean="0">
-                <a:solidFill>
-                  <a:schemeClr val="tx1"/>
-                </a:solidFill>
-                <a:latin typeface="Times New Roman" panose="02020603050405020304" pitchFamily="18" charset="0"/>
-                <a:cs typeface="Times New Roman" panose="02020603050405020304" pitchFamily="18" charset="0"/>
-              </a:rPr>
-              <a:t>Technological University (NTU</a:t>
-            </a:r>
-            <a:r>
-              <a:rPr lang="en-US" sz="2400" dirty="0" smtClean="0">
-                <a:solidFill>
-                  <a:schemeClr val="tx1"/>
-                </a:solidFill>
-                <a:latin typeface="Times New Roman" panose="02020603050405020304" pitchFamily="18" charset="0"/>
-                <a:cs typeface="Times New Roman" panose="02020603050405020304" pitchFamily="18" charset="0"/>
-              </a:rPr>
-              <a:t>)</a:t>
-            </a:r>
-          </a:p>
-          <a:p>
-            <a:endParaRPr lang="en-US" sz="2400" dirty="0">
-              <a:solidFill>
-                <a:schemeClr val="tx1"/>
-              </a:solidFill>
-              <a:latin typeface="Times New Roman" panose="02020603050405020304" pitchFamily="18" charset="0"/>
-              <a:cs typeface="Times New Roman" panose="02020603050405020304" pitchFamily="18" charset="0"/>
-            </a:endParaRPr>
-          </a:p>
-          <a:p>
-            <a:r>
-              <a:rPr lang="en-US" sz="2400" dirty="0" smtClean="0">
-                <a:solidFill>
-                  <a:schemeClr val="tx1"/>
-                </a:solidFill>
-                <a:latin typeface="Times New Roman" panose="02020603050405020304" pitchFamily="18" charset="0"/>
-                <a:cs typeface="Times New Roman" panose="02020603050405020304" pitchFamily="18" charset="0"/>
               </a:rPr>
               <a:t>	Electrical and Electronic Engineering ( EEE)</a:t>
             </a:r>
           </a:p>
           <a:p>
-            <a:endParaRPr lang="en-US" sz="2400" dirty="0">
+            <a:endParaRPr lang="en-US" sz="2000" b="0" dirty="0" smtClean="0">
               <a:solidFill>
-                <a:schemeClr val="tx1"/>
+                <a:schemeClr val="tx2"/>
               </a:solidFill>
-              <a:latin typeface="Times New Roman" panose="02020603050405020304" pitchFamily="18" charset="0"/>
-              <a:cs typeface="Times New Roman" panose="02020603050405020304" pitchFamily="18" charset="0"/>
             </a:endParaRPr>
           </a:p>
           <a:p>
             <a:r>
-              <a:rPr lang="en-US" sz="2400" dirty="0" smtClean="0">
+              <a:rPr lang="en-US" sz="2000" b="0" dirty="0" smtClean="0">
                 <a:solidFill>
-                  <a:schemeClr val="tx1"/>
+                  <a:schemeClr val="tx2"/>
                 </a:solidFill>
-                <a:latin typeface="Times New Roman" panose="02020603050405020304" pitchFamily="18" charset="0"/>
-                <a:cs typeface="Times New Roman" panose="02020603050405020304" pitchFamily="18" charset="0"/>
               </a:rPr>
               <a:t>	July 2018</a:t>
             </a:r>
-            <a:endParaRPr lang="en-US" sz="2400" dirty="0">
+            <a:endParaRPr lang="en-US" sz="2000" b="0" dirty="0">
               <a:solidFill>
-                <a:schemeClr val="tx1"/>
+                <a:schemeClr val="tx2"/>
               </a:solidFill>
-              <a:latin typeface="Times New Roman" panose="02020603050405020304" pitchFamily="18" charset="0"/>
-              <a:cs typeface="Times New Roman" panose="02020603050405020304" pitchFamily="18" charset="0"/>
             </a:endParaRPr>
           </a:p>
         </p:txBody>
@@ -4127,36 +4087,6 @@
       <p:pic>
         <p:nvPicPr>
           <p:cNvPr id="8" name="Picture 7"/>
-          <p:cNvPicPr>
-            <a:picLocks noChangeAspect="1"/>
-          </p:cNvPicPr>
-          <p:nvPr/>
-        </p:nvPicPr>
-        <p:blipFill>
-          <a:blip r:embed="rId3">
-            <a:extLst>
-              <a:ext uri="{28A0092B-C50C-407E-A947-70E740481C1C}">
-                <a14:useLocalDpi xmlns:a14="http://schemas.microsoft.com/office/drawing/2010/main" val="0"/>
-              </a:ext>
-            </a:extLst>
-          </a:blip>
-          <a:stretch>
-            <a:fillRect/>
-          </a:stretch>
-        </p:blipFill>
-        <p:spPr>
-          <a:xfrm>
-            <a:off x="1068947" y="613589"/>
-            <a:ext cx="455626" cy="455628"/>
-          </a:xfrm>
-          <a:prstGeom prst="rect">
-            <a:avLst/>
-          </a:prstGeom>
-        </p:spPr>
-      </p:pic>
-      <p:pic>
-        <p:nvPicPr>
-          <p:cNvPr id="9" name="Picture 8"/>
           <p:cNvPicPr>
             <a:picLocks noChangeAspect="1"/>
           </p:cNvPicPr>
@@ -4176,8 +4106,8 @@
         </p:blipFill>
         <p:spPr>
           <a:xfrm>
-            <a:off x="1085832" y="2582633"/>
-            <a:ext cx="455626" cy="455626"/>
+            <a:off x="1147009" y="113042"/>
+            <a:ext cx="372697" cy="302982"/>
           </a:xfrm>
           <a:prstGeom prst="rect">
             <a:avLst/>
@@ -4186,7 +4116,7 @@
       </p:pic>
       <p:pic>
         <p:nvPicPr>
-          <p:cNvPr id="6" name="Picture 5"/>
+          <p:cNvPr id="9" name="Picture 8"/>
           <p:cNvPicPr>
             <a:picLocks noChangeAspect="1"/>
           </p:cNvPicPr>
@@ -4206,8 +4136,8 @@
         </p:blipFill>
         <p:spPr>
           <a:xfrm>
-            <a:off x="1073813" y="1199444"/>
-            <a:ext cx="450760" cy="455626"/>
+            <a:off x="1147010" y="1818669"/>
+            <a:ext cx="367829" cy="306402"/>
           </a:xfrm>
           <a:prstGeom prst="rect">
             <a:avLst/>
@@ -4216,7 +4146,7 @@
       </p:pic>
       <p:pic>
         <p:nvPicPr>
-          <p:cNvPr id="7" name="Picture 6"/>
+          <p:cNvPr id="6" name="Picture 5"/>
           <p:cNvPicPr>
             <a:picLocks noChangeAspect="1"/>
           </p:cNvPicPr>
@@ -4235,9 +4165,9 @@
           </a:stretch>
         </p:blipFill>
         <p:spPr>
-          <a:xfrm flipV="1">
-            <a:off x="1068947" y="1900378"/>
-            <a:ext cx="472511" cy="455626"/>
+          <a:xfrm>
+            <a:off x="1147009" y="672539"/>
+            <a:ext cx="370263" cy="309105"/>
           </a:xfrm>
           <a:prstGeom prst="rect">
             <a:avLst/>
@@ -4246,7 +4176,7 @@
       </p:pic>
       <p:pic>
         <p:nvPicPr>
-          <p:cNvPr id="10" name="Picture 9"/>
+          <p:cNvPr id="7" name="Picture 6"/>
           <p:cNvPicPr>
             <a:picLocks noChangeAspect="1"/>
           </p:cNvPicPr>
@@ -4265,9 +4195,129 @@
           </a:stretch>
         </p:blipFill>
         <p:spPr>
+          <a:xfrm flipV="1">
+            <a:off x="1147009" y="1287644"/>
+            <a:ext cx="367830" cy="309105"/>
+          </a:xfrm>
+          <a:prstGeom prst="rect">
+            <a:avLst/>
+          </a:prstGeom>
+        </p:spPr>
+      </p:pic>
+      <p:pic>
+        <p:nvPicPr>
+          <p:cNvPr id="10" name="Picture 9"/>
+          <p:cNvPicPr>
+            <a:picLocks noChangeAspect="1"/>
+          </p:cNvPicPr>
+          <p:nvPr/>
+        </p:nvPicPr>
+        <p:blipFill>
+          <a:blip r:embed="rId8">
+            <a:extLst>
+              <a:ext uri="{28A0092B-C50C-407E-A947-70E740481C1C}">
+                <a14:useLocalDpi xmlns:a14="http://schemas.microsoft.com/office/drawing/2010/main" val="0"/>
+              </a:ext>
+            </a:extLst>
+          </a:blip>
+          <a:stretch>
+            <a:fillRect/>
+          </a:stretch>
+        </p:blipFill>
+        <p:spPr>
           <a:xfrm>
-            <a:off x="1068946" y="3291858"/>
-            <a:ext cx="472511" cy="455626"/>
+            <a:off x="1147008" y="4111046"/>
+            <a:ext cx="367830" cy="306402"/>
+          </a:xfrm>
+          <a:prstGeom prst="rect">
+            <a:avLst/>
+          </a:prstGeom>
+        </p:spPr>
+      </p:pic>
+      <p:pic>
+        <p:nvPicPr>
+          <p:cNvPr id="12" name="Picture 11"/>
+          <p:cNvPicPr>
+            <a:picLocks noChangeAspect="1"/>
+          </p:cNvPicPr>
+          <p:nvPr/>
+        </p:nvPicPr>
+        <p:blipFill>
+          <a:blip r:embed="rId9" cstate="print">
+            <a:extLst>
+              <a:ext uri="{28A0092B-C50C-407E-A947-70E740481C1C}">
+                <a14:useLocalDpi xmlns:a14="http://schemas.microsoft.com/office/drawing/2010/main" val="0"/>
+              </a:ext>
+            </a:extLst>
+          </a:blip>
+          <a:stretch>
+            <a:fillRect/>
+          </a:stretch>
+        </p:blipFill>
+        <p:spPr>
+          <a:xfrm>
+            <a:off x="6695575" y="4164208"/>
+            <a:ext cx="314826" cy="287660"/>
+          </a:xfrm>
+          <a:prstGeom prst="rect">
+            <a:avLst/>
+          </a:prstGeom>
+        </p:spPr>
+      </p:pic>
+      <p:pic>
+        <p:nvPicPr>
+          <p:cNvPr id="13" name="Picture 12"/>
+          <p:cNvPicPr>
+            <a:picLocks noChangeAspect="1"/>
+          </p:cNvPicPr>
+          <p:nvPr/>
+        </p:nvPicPr>
+        <p:blipFill>
+          <a:blip r:embed="rId10">
+            <a:extLst>
+              <a:ext uri="{28A0092B-C50C-407E-A947-70E740481C1C}">
+                <a14:useLocalDpi xmlns:a14="http://schemas.microsoft.com/office/drawing/2010/main" val="0"/>
+              </a:ext>
+            </a:extLst>
+          </a:blip>
+          <a:stretch>
+            <a:fillRect/>
+          </a:stretch>
+        </p:blipFill>
+        <p:spPr>
+          <a:xfrm rot="10800000" flipV="1">
+            <a:off x="1147008" y="4719576"/>
+            <a:ext cx="367830" cy="304384"/>
+          </a:xfrm>
+          <a:prstGeom prst="rect">
+            <a:avLst/>
+          </a:prstGeom>
+        </p:spPr>
+      </p:pic>
+      <p:pic>
+        <p:nvPicPr>
+          <p:cNvPr id="15" name="Picture 14"/>
+          <p:cNvPicPr>
+            <a:picLocks noChangeAspect="1"/>
+          </p:cNvPicPr>
+          <p:nvPr/>
+        </p:nvPicPr>
+        <p:blipFill>
+          <a:blip r:embed="rId11" cstate="print">
+            <a:extLst>
+              <a:ext uri="{28A0092B-C50C-407E-A947-70E740481C1C}">
+                <a14:useLocalDpi xmlns:a14="http://schemas.microsoft.com/office/drawing/2010/main" val="0"/>
+              </a:ext>
+            </a:extLst>
+          </a:blip>
+          <a:stretch>
+            <a:fillRect/>
+          </a:stretch>
+        </p:blipFill>
+        <p:spPr>
+          <a:xfrm>
+            <a:off x="8166822" y="27312"/>
+            <a:ext cx="3936945" cy="4996648"/>
           </a:xfrm>
           <a:prstGeom prst="rect">
             <a:avLst/>
@@ -4278,6 +4328,681 @@
     <p:extLst>
       <p:ext uri="{BB962C8B-B14F-4D97-AF65-F5344CB8AC3E}">
         <p14:creationId xmlns:p14="http://schemas.microsoft.com/office/powerpoint/2010/main" val="667031851"/>
+      </p:ext>
+    </p:extLst>
+  </p:cSld>
+  <p:clrMapOvr>
+    <a:masterClrMapping/>
+  </p:clrMapOvr>
+  <p:timing>
+    <p:tnLst>
+      <p:par>
+        <p:cTn id="1" dur="indefinite" restart="never" nodeType="tmRoot">
+          <p:childTnLst>
+            <p:seq concurrent="1" nextAc="seek">
+              <p:cTn id="2" dur="indefinite" nodeType="mainSeq">
+                <p:childTnLst>
+                  <p:par>
+                    <p:cTn id="3" fill="hold">
+                      <p:stCondLst>
+                        <p:cond delay="indefinite"/>
+                      </p:stCondLst>
+                      <p:childTnLst>
+                        <p:par>
+                          <p:cTn id="4" fill="hold">
+                            <p:stCondLst>
+                              <p:cond delay="0"/>
+                            </p:stCondLst>
+                            <p:childTnLst>
+                              <p:par>
+                                <p:cTn id="5" presetID="16" presetClass="entr" presetSubtype="21" fill="hold" grpId="0" nodeType="clickEffect">
+                                  <p:stCondLst>
+                                    <p:cond delay="0"/>
+                                  </p:stCondLst>
+                                  <p:childTnLst>
+                                    <p:set>
+                                      <p:cBhvr>
+                                        <p:cTn id="6" dur="1" fill="hold">
+                                          <p:stCondLst>
+                                            <p:cond delay="0"/>
+                                          </p:stCondLst>
+                                        </p:cTn>
+                                        <p:tgtEl>
+                                          <p:spTgt spid="5">
+                                            <p:bg/>
+                                          </p:spTgt>
+                                        </p:tgtEl>
+                                        <p:attrNameLst>
+                                          <p:attrName>style.visibility</p:attrName>
+                                        </p:attrNameLst>
+                                      </p:cBhvr>
+                                      <p:to>
+                                        <p:strVal val="visible"/>
+                                      </p:to>
+                                    </p:set>
+                                    <p:animEffect transition="in" filter="barn(inVertical)">
+                                      <p:cBhvr>
+                                        <p:cTn id="7" dur="500"/>
+                                        <p:tgtEl>
+                                          <p:spTgt spid="5">
+                                            <p:bg/>
+                                          </p:spTgt>
+                                        </p:tgtEl>
+                                      </p:cBhvr>
+                                    </p:animEffect>
+                                  </p:childTnLst>
+                                </p:cTn>
+                              </p:par>
+                            </p:childTnLst>
+                          </p:cTn>
+                        </p:par>
+                      </p:childTnLst>
+                    </p:cTn>
+                  </p:par>
+                  <p:par>
+                    <p:cTn id="8" fill="hold">
+                      <p:stCondLst>
+                        <p:cond delay="indefinite"/>
+                      </p:stCondLst>
+                      <p:childTnLst>
+                        <p:par>
+                          <p:cTn id="9" fill="hold">
+                            <p:stCondLst>
+                              <p:cond delay="0"/>
+                            </p:stCondLst>
+                            <p:childTnLst>
+                              <p:par>
+                                <p:cTn id="10" presetID="16" presetClass="entr" presetSubtype="21" fill="hold" grpId="0" nodeType="clickEffect">
+                                  <p:stCondLst>
+                                    <p:cond delay="0"/>
+                                  </p:stCondLst>
+                                  <p:childTnLst>
+                                    <p:set>
+                                      <p:cBhvr>
+                                        <p:cTn id="11" dur="1" fill="hold">
+                                          <p:stCondLst>
+                                            <p:cond delay="0"/>
+                                          </p:stCondLst>
+                                        </p:cTn>
+                                        <p:tgtEl>
+                                          <p:spTgt spid="5">
+                                            <p:txEl>
+                                              <p:pRg st="0" end="0"/>
+                                            </p:txEl>
+                                          </p:spTgt>
+                                        </p:tgtEl>
+                                        <p:attrNameLst>
+                                          <p:attrName>style.visibility</p:attrName>
+                                        </p:attrNameLst>
+                                      </p:cBhvr>
+                                      <p:to>
+                                        <p:strVal val="visible"/>
+                                      </p:to>
+                                    </p:set>
+                                    <p:animEffect transition="in" filter="barn(inVertical)">
+                                      <p:cBhvr>
+                                        <p:cTn id="12" dur="500"/>
+                                        <p:tgtEl>
+                                          <p:spTgt spid="5">
+                                            <p:txEl>
+                                              <p:pRg st="0" end="0"/>
+                                            </p:txEl>
+                                          </p:spTgt>
+                                        </p:tgtEl>
+                                      </p:cBhvr>
+                                    </p:animEffect>
+                                  </p:childTnLst>
+                                </p:cTn>
+                              </p:par>
+                            </p:childTnLst>
+                          </p:cTn>
+                        </p:par>
+                      </p:childTnLst>
+                    </p:cTn>
+                  </p:par>
+                  <p:par>
+                    <p:cTn id="13" fill="hold">
+                      <p:stCondLst>
+                        <p:cond delay="indefinite"/>
+                      </p:stCondLst>
+                      <p:childTnLst>
+                        <p:par>
+                          <p:cTn id="14" fill="hold">
+                            <p:stCondLst>
+                              <p:cond delay="0"/>
+                            </p:stCondLst>
+                            <p:childTnLst>
+                              <p:par>
+                                <p:cTn id="15" presetID="16" presetClass="entr" presetSubtype="21" fill="hold" grpId="0" nodeType="clickEffect">
+                                  <p:stCondLst>
+                                    <p:cond delay="0"/>
+                                  </p:stCondLst>
+                                  <p:childTnLst>
+                                    <p:set>
+                                      <p:cBhvr>
+                                        <p:cTn id="16" dur="1" fill="hold">
+                                          <p:stCondLst>
+                                            <p:cond delay="0"/>
+                                          </p:stCondLst>
+                                        </p:cTn>
+                                        <p:tgtEl>
+                                          <p:spTgt spid="5">
+                                            <p:txEl>
+                                              <p:pRg st="1" end="1"/>
+                                            </p:txEl>
+                                          </p:spTgt>
+                                        </p:tgtEl>
+                                        <p:attrNameLst>
+                                          <p:attrName>style.visibility</p:attrName>
+                                        </p:attrNameLst>
+                                      </p:cBhvr>
+                                      <p:to>
+                                        <p:strVal val="visible"/>
+                                      </p:to>
+                                    </p:set>
+                                    <p:animEffect transition="in" filter="barn(inVertical)">
+                                      <p:cBhvr>
+                                        <p:cTn id="17" dur="500"/>
+                                        <p:tgtEl>
+                                          <p:spTgt spid="5">
+                                            <p:txEl>
+                                              <p:pRg st="1" end="1"/>
+                                            </p:txEl>
+                                          </p:spTgt>
+                                        </p:tgtEl>
+                                      </p:cBhvr>
+                                    </p:animEffect>
+                                  </p:childTnLst>
+                                </p:cTn>
+                              </p:par>
+                            </p:childTnLst>
+                          </p:cTn>
+                        </p:par>
+                      </p:childTnLst>
+                    </p:cTn>
+                  </p:par>
+                  <p:par>
+                    <p:cTn id="18" fill="hold">
+                      <p:stCondLst>
+                        <p:cond delay="indefinite"/>
+                      </p:stCondLst>
+                      <p:childTnLst>
+                        <p:par>
+                          <p:cTn id="19" fill="hold">
+                            <p:stCondLst>
+                              <p:cond delay="0"/>
+                            </p:stCondLst>
+                            <p:childTnLst>
+                              <p:par>
+                                <p:cTn id="20" presetID="16" presetClass="entr" presetSubtype="21" fill="hold" grpId="0" nodeType="clickEffect">
+                                  <p:stCondLst>
+                                    <p:cond delay="0"/>
+                                  </p:stCondLst>
+                                  <p:childTnLst>
+                                    <p:set>
+                                      <p:cBhvr>
+                                        <p:cTn id="21" dur="1" fill="hold">
+                                          <p:stCondLst>
+                                            <p:cond delay="0"/>
+                                          </p:stCondLst>
+                                        </p:cTn>
+                                        <p:tgtEl>
+                                          <p:spTgt spid="5">
+                                            <p:txEl>
+                                              <p:pRg st="3" end="3"/>
+                                            </p:txEl>
+                                          </p:spTgt>
+                                        </p:tgtEl>
+                                        <p:attrNameLst>
+                                          <p:attrName>style.visibility</p:attrName>
+                                        </p:attrNameLst>
+                                      </p:cBhvr>
+                                      <p:to>
+                                        <p:strVal val="visible"/>
+                                      </p:to>
+                                    </p:set>
+                                    <p:animEffect transition="in" filter="barn(inVertical)">
+                                      <p:cBhvr>
+                                        <p:cTn id="22" dur="500"/>
+                                        <p:tgtEl>
+                                          <p:spTgt spid="5">
+                                            <p:txEl>
+                                              <p:pRg st="3" end="3"/>
+                                            </p:txEl>
+                                          </p:spTgt>
+                                        </p:tgtEl>
+                                      </p:cBhvr>
+                                    </p:animEffect>
+                                  </p:childTnLst>
+                                </p:cTn>
+                              </p:par>
+                            </p:childTnLst>
+                          </p:cTn>
+                        </p:par>
+                      </p:childTnLst>
+                    </p:cTn>
+                  </p:par>
+                  <p:par>
+                    <p:cTn id="23" fill="hold">
+                      <p:stCondLst>
+                        <p:cond delay="indefinite"/>
+                      </p:stCondLst>
+                      <p:childTnLst>
+                        <p:par>
+                          <p:cTn id="24" fill="hold">
+                            <p:stCondLst>
+                              <p:cond delay="0"/>
+                            </p:stCondLst>
+                            <p:childTnLst>
+                              <p:par>
+                                <p:cTn id="25" presetID="16" presetClass="entr" presetSubtype="21" fill="hold" grpId="0" nodeType="clickEffect">
+                                  <p:stCondLst>
+                                    <p:cond delay="0"/>
+                                  </p:stCondLst>
+                                  <p:childTnLst>
+                                    <p:set>
+                                      <p:cBhvr>
+                                        <p:cTn id="26" dur="1" fill="hold">
+                                          <p:stCondLst>
+                                            <p:cond delay="0"/>
+                                          </p:stCondLst>
+                                        </p:cTn>
+                                        <p:tgtEl>
+                                          <p:spTgt spid="5">
+                                            <p:txEl>
+                                              <p:pRg st="4" end="4"/>
+                                            </p:txEl>
+                                          </p:spTgt>
+                                        </p:tgtEl>
+                                        <p:attrNameLst>
+                                          <p:attrName>style.visibility</p:attrName>
+                                        </p:attrNameLst>
+                                      </p:cBhvr>
+                                      <p:to>
+                                        <p:strVal val="visible"/>
+                                      </p:to>
+                                    </p:set>
+                                    <p:animEffect transition="in" filter="barn(inVertical)">
+                                      <p:cBhvr>
+                                        <p:cTn id="27" dur="500"/>
+                                        <p:tgtEl>
+                                          <p:spTgt spid="5">
+                                            <p:txEl>
+                                              <p:pRg st="4" end="4"/>
+                                            </p:txEl>
+                                          </p:spTgt>
+                                        </p:tgtEl>
+                                      </p:cBhvr>
+                                    </p:animEffect>
+                                  </p:childTnLst>
+                                </p:cTn>
+                              </p:par>
+                            </p:childTnLst>
+                          </p:cTn>
+                        </p:par>
+                      </p:childTnLst>
+                    </p:cTn>
+                  </p:par>
+                  <p:par>
+                    <p:cTn id="28" fill="hold">
+                      <p:stCondLst>
+                        <p:cond delay="indefinite"/>
+                      </p:stCondLst>
+                      <p:childTnLst>
+                        <p:par>
+                          <p:cTn id="29" fill="hold">
+                            <p:stCondLst>
+                              <p:cond delay="0"/>
+                            </p:stCondLst>
+                            <p:childTnLst>
+                              <p:par>
+                                <p:cTn id="30" presetID="16" presetClass="entr" presetSubtype="21" fill="hold" grpId="0" nodeType="clickEffect">
+                                  <p:stCondLst>
+                                    <p:cond delay="0"/>
+                                  </p:stCondLst>
+                                  <p:childTnLst>
+                                    <p:set>
+                                      <p:cBhvr>
+                                        <p:cTn id="31" dur="1" fill="hold">
+                                          <p:stCondLst>
+                                            <p:cond delay="0"/>
+                                          </p:stCondLst>
+                                        </p:cTn>
+                                        <p:tgtEl>
+                                          <p:spTgt spid="5">
+                                            <p:txEl>
+                                              <p:pRg st="5" end="5"/>
+                                            </p:txEl>
+                                          </p:spTgt>
+                                        </p:tgtEl>
+                                        <p:attrNameLst>
+                                          <p:attrName>style.visibility</p:attrName>
+                                        </p:attrNameLst>
+                                      </p:cBhvr>
+                                      <p:to>
+                                        <p:strVal val="visible"/>
+                                      </p:to>
+                                    </p:set>
+                                    <p:animEffect transition="in" filter="barn(inVertical)">
+                                      <p:cBhvr>
+                                        <p:cTn id="32" dur="500"/>
+                                        <p:tgtEl>
+                                          <p:spTgt spid="5">
+                                            <p:txEl>
+                                              <p:pRg st="5" end="5"/>
+                                            </p:txEl>
+                                          </p:spTgt>
+                                        </p:tgtEl>
+                                      </p:cBhvr>
+                                    </p:animEffect>
+                                  </p:childTnLst>
+                                </p:cTn>
+                              </p:par>
+                            </p:childTnLst>
+                          </p:cTn>
+                        </p:par>
+                      </p:childTnLst>
+                    </p:cTn>
+                  </p:par>
+                  <p:par>
+                    <p:cTn id="33" fill="hold">
+                      <p:stCondLst>
+                        <p:cond delay="indefinite"/>
+                      </p:stCondLst>
+                      <p:childTnLst>
+                        <p:par>
+                          <p:cTn id="34" fill="hold">
+                            <p:stCondLst>
+                              <p:cond delay="0"/>
+                            </p:stCondLst>
+                            <p:childTnLst>
+                              <p:par>
+                                <p:cTn id="35" presetID="16" presetClass="entr" presetSubtype="21" fill="hold" grpId="0" nodeType="clickEffect">
+                                  <p:stCondLst>
+                                    <p:cond delay="0"/>
+                                  </p:stCondLst>
+                                  <p:childTnLst>
+                                    <p:set>
+                                      <p:cBhvr>
+                                        <p:cTn id="36" dur="1" fill="hold">
+                                          <p:stCondLst>
+                                            <p:cond delay="0"/>
+                                          </p:stCondLst>
+                                        </p:cTn>
+                                        <p:tgtEl>
+                                          <p:spTgt spid="5">
+                                            <p:txEl>
+                                              <p:pRg st="7" end="7"/>
+                                            </p:txEl>
+                                          </p:spTgt>
+                                        </p:tgtEl>
+                                        <p:attrNameLst>
+                                          <p:attrName>style.visibility</p:attrName>
+                                        </p:attrNameLst>
+                                      </p:cBhvr>
+                                      <p:to>
+                                        <p:strVal val="visible"/>
+                                      </p:to>
+                                    </p:set>
+                                    <p:animEffect transition="in" filter="barn(inVertical)">
+                                      <p:cBhvr>
+                                        <p:cTn id="37" dur="500"/>
+                                        <p:tgtEl>
+                                          <p:spTgt spid="5">
+                                            <p:txEl>
+                                              <p:pRg st="7" end="7"/>
+                                            </p:txEl>
+                                          </p:spTgt>
+                                        </p:tgtEl>
+                                      </p:cBhvr>
+                                    </p:animEffect>
+                                  </p:childTnLst>
+                                </p:cTn>
+                              </p:par>
+                            </p:childTnLst>
+                          </p:cTn>
+                        </p:par>
+                      </p:childTnLst>
+                    </p:cTn>
+                  </p:par>
+                </p:childTnLst>
+              </p:cTn>
+              <p:prevCondLst>
+                <p:cond evt="onPrev" delay="0">
+                  <p:tgtEl>
+                    <p:sldTgt/>
+                  </p:tgtEl>
+                </p:cond>
+              </p:prevCondLst>
+              <p:nextCondLst>
+                <p:cond evt="onNext" delay="0">
+                  <p:tgtEl>
+                    <p:sldTgt/>
+                  </p:tgtEl>
+                </p:cond>
+              </p:nextCondLst>
+            </p:seq>
+          </p:childTnLst>
+        </p:cTn>
+      </p:par>
+    </p:tnLst>
+    <p:bldLst>
+      <p:bldP spid="5" grpId="0" build="p" animBg="1"/>
+    </p:bldLst>
+  </p:timing>
+</p:sld>
+</file>
+
+<file path=ppt/slides/slide2.xml><?xml version="1.0" encoding="utf-8"?>
+<p:sld xmlns:a="http://schemas.openxmlformats.org/drawingml/2006/main" xmlns:r="http://schemas.openxmlformats.org/officeDocument/2006/relationships" xmlns:p="http://schemas.openxmlformats.org/presentationml/2006/main">
+  <p:cSld>
+    <p:spTree>
+      <p:nvGrpSpPr>
+        <p:cNvPr id="1" name=""/>
+        <p:cNvGrpSpPr/>
+        <p:nvPr/>
+      </p:nvGrpSpPr>
+      <p:grpSpPr>
+        <a:xfrm>
+          <a:off x="0" y="0"/>
+          <a:ext cx="0" cy="0"/>
+          <a:chOff x="0" y="0"/>
+          <a:chExt cx="0" cy="0"/>
+        </a:xfrm>
+      </p:grpSpPr>
+      <p:sp>
+        <p:nvSpPr>
+          <p:cNvPr id="9" name="Text Placeholder 8"/>
+          <p:cNvSpPr>
+            <a:spLocks noGrp="1"/>
+          </p:cNvSpPr>
+          <p:nvPr>
+            <p:ph type="body" sz="quarter" idx="10"/>
+          </p:nvPr>
+        </p:nvSpPr>
+        <p:spPr/>
+        <p:txBody>
+          <a:bodyPr/>
+          <a:lstStyle/>
+          <a:p>
+            <a:endParaRPr lang="en-US" dirty="0"/>
+          </a:p>
+        </p:txBody>
+      </p:sp>
+      <p:sp>
+        <p:nvSpPr>
+          <p:cNvPr id="10" name="Text Placeholder 9"/>
+          <p:cNvSpPr>
+            <a:spLocks noGrp="1"/>
+          </p:cNvSpPr>
+          <p:nvPr>
+            <p:ph type="body" sz="quarter" idx="12"/>
+          </p:nvPr>
+        </p:nvSpPr>
+        <p:spPr/>
+        <p:txBody>
+          <a:bodyPr/>
+          <a:lstStyle/>
+          <a:p>
+            <a:endParaRPr lang="en-US"/>
+          </a:p>
+        </p:txBody>
+      </p:sp>
+      <p:sp>
+        <p:nvSpPr>
+          <p:cNvPr id="11" name="Text Placeholder 10"/>
+          <p:cNvSpPr>
+            <a:spLocks noGrp="1"/>
+          </p:cNvSpPr>
+          <p:nvPr>
+            <p:ph type="body" sz="quarter" idx="13"/>
+          </p:nvPr>
+        </p:nvSpPr>
+        <p:spPr/>
+        <p:txBody>
+          <a:bodyPr/>
+          <a:lstStyle/>
+          <a:p>
+            <a:endParaRPr lang="en-US"/>
+          </a:p>
+        </p:txBody>
+      </p:sp>
+      <p:sp>
+        <p:nvSpPr>
+          <p:cNvPr id="12" name="Text Placeholder 11"/>
+          <p:cNvSpPr>
+            <a:spLocks noGrp="1"/>
+          </p:cNvSpPr>
+          <p:nvPr>
+            <p:ph type="body" sz="quarter" idx="14"/>
+          </p:nvPr>
+        </p:nvSpPr>
+        <p:spPr/>
+        <p:txBody>
+          <a:bodyPr/>
+          <a:lstStyle/>
+          <a:p>
+            <a:endParaRPr lang="en-US"/>
+          </a:p>
+        </p:txBody>
+      </p:sp>
+    </p:spTree>
+    <p:extLst>
+      <p:ext uri="{BB962C8B-B14F-4D97-AF65-F5344CB8AC3E}">
+        <p14:creationId xmlns:p14="http://schemas.microsoft.com/office/powerpoint/2010/main" val="783303344"/>
+      </p:ext>
+    </p:extLst>
+  </p:cSld>
+  <p:clrMapOvr>
+    <a:masterClrMapping/>
+  </p:clrMapOvr>
+  <p:timing>
+    <p:tnLst>
+      <p:par>
+        <p:cTn id="1" dur="indefinite" restart="never" nodeType="tmRoot"/>
+      </p:par>
+    </p:tnLst>
+  </p:timing>
+</p:sld>
+</file>
+
+<file path=ppt/slides/slide3.xml><?xml version="1.0" encoding="utf-8"?>
+<p:sld xmlns:a="http://schemas.openxmlformats.org/drawingml/2006/main" xmlns:r="http://schemas.openxmlformats.org/officeDocument/2006/relationships" xmlns:p="http://schemas.openxmlformats.org/presentationml/2006/main">
+  <p:cSld>
+    <p:spTree>
+      <p:nvGrpSpPr>
+        <p:cNvPr id="1" name=""/>
+        <p:cNvGrpSpPr/>
+        <p:nvPr/>
+      </p:nvGrpSpPr>
+      <p:grpSpPr>
+        <a:xfrm>
+          <a:off x="0" y="0"/>
+          <a:ext cx="0" cy="0"/>
+          <a:chOff x="0" y="0"/>
+          <a:chExt cx="0" cy="0"/>
+        </a:xfrm>
+      </p:grpSpPr>
+      <p:sp>
+        <p:nvSpPr>
+          <p:cNvPr id="2" name="Text Placeholder 1"/>
+          <p:cNvSpPr>
+            <a:spLocks noGrp="1"/>
+          </p:cNvSpPr>
+          <p:nvPr>
+            <p:ph type="body" sz="quarter" idx="10"/>
+          </p:nvPr>
+        </p:nvSpPr>
+        <p:spPr/>
+        <p:txBody>
+          <a:bodyPr/>
+          <a:lstStyle/>
+          <a:p>
+            <a:endParaRPr lang="en-US"/>
+          </a:p>
+        </p:txBody>
+      </p:sp>
+      <p:sp>
+        <p:nvSpPr>
+          <p:cNvPr id="3" name="Text Placeholder 2"/>
+          <p:cNvSpPr>
+            <a:spLocks noGrp="1"/>
+          </p:cNvSpPr>
+          <p:nvPr>
+            <p:ph type="body" sz="quarter" idx="12"/>
+          </p:nvPr>
+        </p:nvSpPr>
+        <p:spPr/>
+        <p:txBody>
+          <a:bodyPr/>
+          <a:lstStyle/>
+          <a:p>
+            <a:endParaRPr lang="en-US"/>
+          </a:p>
+        </p:txBody>
+      </p:sp>
+      <p:sp>
+        <p:nvSpPr>
+          <p:cNvPr id="4" name="Text Placeholder 3"/>
+          <p:cNvSpPr>
+            <a:spLocks noGrp="1"/>
+          </p:cNvSpPr>
+          <p:nvPr>
+            <p:ph type="body" sz="quarter" idx="13"/>
+          </p:nvPr>
+        </p:nvSpPr>
+        <p:spPr/>
+        <p:txBody>
+          <a:bodyPr/>
+          <a:lstStyle/>
+          <a:p>
+            <a:endParaRPr lang="en-US"/>
+          </a:p>
+        </p:txBody>
+      </p:sp>
+      <p:sp>
+        <p:nvSpPr>
+          <p:cNvPr id="5" name="Text Placeholder 4"/>
+          <p:cNvSpPr>
+            <a:spLocks noGrp="1"/>
+          </p:cNvSpPr>
+          <p:nvPr>
+            <p:ph type="body" sz="quarter" idx="14"/>
+          </p:nvPr>
+        </p:nvSpPr>
+        <p:spPr/>
+        <p:txBody>
+          <a:bodyPr/>
+          <a:lstStyle/>
+          <a:p>
+            <a:endParaRPr lang="en-US"/>
+          </a:p>
+        </p:txBody>
+      </p:sp>
+    </p:spTree>
+    <p:extLst>
+      <p:ext uri="{BB962C8B-B14F-4D97-AF65-F5344CB8AC3E}">
+        <p14:creationId xmlns:p14="http://schemas.microsoft.com/office/powerpoint/2010/main" val="1150886919"/>
       </p:ext>
     </p:extLst>
   </p:cSld>
